--- a/documents/EasyWeb.pptx
+++ b/documents/EasyWeb.pptx
@@ -7,9 +7,9 @@
   <p:sldIdLst>
     <p:sldId id="256" r:id="rId2"/>
     <p:sldId id="257" r:id="rId3"/>
-    <p:sldId id="258" r:id="rId4"/>
-    <p:sldId id="259" r:id="rId5"/>
-    <p:sldId id="260" r:id="rId6"/>
+    <p:sldId id="259" r:id="rId4"/>
+    <p:sldId id="260" r:id="rId5"/>
+    <p:sldId id="261" r:id="rId6"/>
   </p:sldIdLst>
   <p:sldSz cx="12192000" cy="6858000"/>
   <p:notesSz cx="6858000" cy="9144000"/>
@@ -108,6 +108,11 @@
       </a:defRPr>
     </a:lvl9pPr>
   </p:defaultTextStyle>
+  <p:extLst>
+    <p:ext uri="{EFAFB233-063F-42B5-8137-9DF3F51BA10A}">
+      <p15:sldGuideLst xmlns:p15="http://schemas.microsoft.com/office/powerpoint/2012/main"/>
+    </p:ext>
+  </p:extLst>
 </p:presentation>
 </file>
 
@@ -242,7 +247,7 @@
           <a:p>
             <a:fld id="{48947766-9475-4B98-B296-92EDC7E840FD}" type="datetimeFigureOut">
               <a:rPr lang="en-US" smtClean="0"/>
-              <a:t>9/28/2016</a:t>
+              <a:t>10/3/2016</a:t>
             </a:fld>
             <a:endParaRPr lang="en-US"/>
           </a:p>
@@ -412,7 +417,7 @@
           <a:p>
             <a:fld id="{48947766-9475-4B98-B296-92EDC7E840FD}" type="datetimeFigureOut">
               <a:rPr lang="en-US" smtClean="0"/>
-              <a:t>9/28/2016</a:t>
+              <a:t>10/3/2016</a:t>
             </a:fld>
             <a:endParaRPr lang="en-US"/>
           </a:p>
@@ -592,7 +597,7 @@
           <a:p>
             <a:fld id="{48947766-9475-4B98-B296-92EDC7E840FD}" type="datetimeFigureOut">
               <a:rPr lang="en-US" smtClean="0"/>
-              <a:t>9/28/2016</a:t>
+              <a:t>10/3/2016</a:t>
             </a:fld>
             <a:endParaRPr lang="en-US"/>
           </a:p>
@@ -762,7 +767,7 @@
           <a:p>
             <a:fld id="{48947766-9475-4B98-B296-92EDC7E840FD}" type="datetimeFigureOut">
               <a:rPr lang="en-US" smtClean="0"/>
-              <a:t>9/28/2016</a:t>
+              <a:t>10/3/2016</a:t>
             </a:fld>
             <a:endParaRPr lang="en-US"/>
           </a:p>
@@ -1008,7 +1013,7 @@
           <a:p>
             <a:fld id="{48947766-9475-4B98-B296-92EDC7E840FD}" type="datetimeFigureOut">
               <a:rPr lang="en-US" smtClean="0"/>
-              <a:t>9/28/2016</a:t>
+              <a:t>10/3/2016</a:t>
             </a:fld>
             <a:endParaRPr lang="en-US"/>
           </a:p>
@@ -1240,7 +1245,7 @@
           <a:p>
             <a:fld id="{48947766-9475-4B98-B296-92EDC7E840FD}" type="datetimeFigureOut">
               <a:rPr lang="en-US" smtClean="0"/>
-              <a:t>9/28/2016</a:t>
+              <a:t>10/3/2016</a:t>
             </a:fld>
             <a:endParaRPr lang="en-US"/>
           </a:p>
@@ -1607,7 +1612,7 @@
           <a:p>
             <a:fld id="{48947766-9475-4B98-B296-92EDC7E840FD}" type="datetimeFigureOut">
               <a:rPr lang="en-US" smtClean="0"/>
-              <a:t>9/28/2016</a:t>
+              <a:t>10/3/2016</a:t>
             </a:fld>
             <a:endParaRPr lang="en-US"/>
           </a:p>
@@ -1725,7 +1730,7 @@
           <a:p>
             <a:fld id="{48947766-9475-4B98-B296-92EDC7E840FD}" type="datetimeFigureOut">
               <a:rPr lang="en-US" smtClean="0"/>
-              <a:t>9/28/2016</a:t>
+              <a:t>10/3/2016</a:t>
             </a:fld>
             <a:endParaRPr lang="en-US"/>
           </a:p>
@@ -1820,7 +1825,7 @@
           <a:p>
             <a:fld id="{48947766-9475-4B98-B296-92EDC7E840FD}" type="datetimeFigureOut">
               <a:rPr lang="en-US" smtClean="0"/>
-              <a:t>9/28/2016</a:t>
+              <a:t>10/3/2016</a:t>
             </a:fld>
             <a:endParaRPr lang="en-US"/>
           </a:p>
@@ -2097,7 +2102,7 @@
           <a:p>
             <a:fld id="{48947766-9475-4B98-B296-92EDC7E840FD}" type="datetimeFigureOut">
               <a:rPr lang="en-US" smtClean="0"/>
-              <a:t>9/28/2016</a:t>
+              <a:t>10/3/2016</a:t>
             </a:fld>
             <a:endParaRPr lang="en-US"/>
           </a:p>
@@ -2350,7 +2355,7 @@
           <a:p>
             <a:fld id="{48947766-9475-4B98-B296-92EDC7E840FD}" type="datetimeFigureOut">
               <a:rPr lang="en-US" smtClean="0"/>
-              <a:t>9/28/2016</a:t>
+              <a:t>10/3/2016</a:t>
             </a:fld>
             <a:endParaRPr lang="en-US"/>
           </a:p>
@@ -2563,7 +2568,7 @@
           <a:p>
             <a:fld id="{48947766-9475-4B98-B296-92EDC7E840FD}" type="datetimeFigureOut">
               <a:rPr lang="en-US" smtClean="0"/>
-              <a:t>9/28/2016</a:t>
+              <a:t>10/3/2016</a:t>
             </a:fld>
             <a:endParaRPr lang="en-US"/>
           </a:p>
@@ -3155,7 +3160,7 @@
           <a:p>
             <a:r>
               <a:rPr lang="en-US" dirty="0" smtClean="0"/>
-              <a:t>Optimized approach for create Prototype </a:t>
+              <a:t>Giải pháp tối ưu để tạo prototype</a:t>
             </a:r>
             <a:endParaRPr lang="en-US" dirty="0"/>
           </a:p>
@@ -3178,43 +3183,77 @@
           <a:p>
             <a:r>
               <a:rPr lang="en-US" dirty="0" smtClean="0"/>
-              <a:t>Prototype:</a:t>
+              <a:t>Prototype mang lại những lợi ích:</a:t>
             </a:r>
           </a:p>
           <a:p>
             <a:pPr lvl="1"/>
             <a:r>
               <a:rPr lang="en-US" dirty="0" smtClean="0"/>
-              <a:t>Engage customers </a:t>
-            </a:r>
-          </a:p>
-          <a:p>
+              <a:t>Lôi cuốn khách hàng ngay từ lần đầu</a:t>
+            </a:r>
+          </a:p>
+          <a:p>
+            <a:pPr lvl="1"/>
             <a:r>
               <a:rPr lang="en-US" dirty="0" smtClean="0"/>
-              <a:t>Create prototyped websites fast and easily</a:t>
-            </a:r>
-          </a:p>
-          <a:p>
+              <a:t>Nhanh chóng có được sản phẩm giống thực tế</a:t>
+            </a:r>
+          </a:p>
+          <a:p>
+            <a:pPr lvl="1"/>
             <a:r>
               <a:rPr lang="en-US" dirty="0" smtClean="0"/>
-              <a:t>Easy to customize the prototype to meet customer’s modification</a:t>
+              <a:t>Khách hàng trải nghiệm sớm sản phẩm, dễ dàng điều chỉnh để hiểu rõ hơn yêu cầu đưa ra</a:t>
+            </a:r>
+          </a:p>
+          <a:p>
+            <a:pPr lvl="1"/>
+            <a:r>
+              <a:rPr lang="en-US" dirty="0" smtClean="0"/>
+              <a:t>Công cụ giúp thống nhất được yêu cầu dễ dàng</a:t>
+            </a:r>
+          </a:p>
+          <a:p>
+            <a:r>
+              <a:rPr lang="en-US" dirty="0" smtClean="0"/>
+              <a:t>EasyWeb là giải pháp tối ưu:</a:t>
+            </a:r>
+          </a:p>
+          <a:p>
+            <a:pPr lvl="1"/>
+            <a:r>
+              <a:rPr lang="en-US" dirty="0"/>
+              <a:t>C</a:t>
+            </a:r>
+            <a:r>
+              <a:rPr lang="en-US" dirty="0" smtClean="0"/>
+              <a:t>ho phép tạo prototype nhanh chóng</a:t>
+            </a:r>
+          </a:p>
+          <a:p>
+            <a:pPr lvl="1"/>
+            <a:r>
+              <a:rPr lang="en-US" dirty="0" smtClean="0"/>
+              <a:t>Dễ dàng thay đổi prototype, linh động theo ý kiến khách hàng</a:t>
+            </a:r>
+          </a:p>
+          <a:p>
+            <a:pPr lvl="1"/>
+            <a:r>
+              <a:rPr lang="en-US" dirty="0" smtClean="0"/>
+              <a:t>Kế thừa hoàn toàn prototype khi xây dựng hệ thống thật</a:t>
             </a:r>
           </a:p>
           <a:p>
             <a:endParaRPr lang="en-US" dirty="0" smtClean="0"/>
-          </a:p>
-          <a:p>
-            <a:endParaRPr lang="en-US" dirty="0" smtClean="0"/>
-          </a:p>
-          <a:p>
-            <a:endParaRPr lang="en-US" dirty="0"/>
           </a:p>
         </p:txBody>
       </p:sp>
     </p:spTree>
     <p:extLst>
       <p:ext uri="{BB962C8B-B14F-4D97-AF65-F5344CB8AC3E}">
-        <p14:creationId xmlns:p14="http://schemas.microsoft.com/office/powerpoint/2010/main" val="3693175362"/>
+        <p14:creationId xmlns:p14="http://schemas.microsoft.com/office/powerpoint/2010/main" val="1484706285"/>
       </p:ext>
     </p:extLst>
   </p:cSld>
@@ -3257,101 +3296,118 @@
           <a:lstStyle/>
           <a:p>
             <a:r>
+              <a:rPr lang="en-US" sz="4000" dirty="0" smtClean="0"/>
+              <a:t>Tối ưu khi xây dựng, triển khai, vận hành và bảo trì</a:t>
+            </a:r>
+            <a:endParaRPr lang="en-US" dirty="0"/>
+          </a:p>
+        </p:txBody>
+      </p:sp>
+      <p:sp>
+        <p:nvSpPr>
+          <p:cNvPr id="3" name="Content Placeholder 2"/>
+          <p:cNvSpPr>
+            <a:spLocks noGrp="1"/>
+          </p:cNvSpPr>
+          <p:nvPr>
+            <p:ph idx="1"/>
+          </p:nvPr>
+        </p:nvSpPr>
+        <p:spPr/>
+        <p:txBody>
+          <a:bodyPr>
+            <a:normAutofit lnSpcReduction="10000"/>
+          </a:bodyPr>
+          <a:lstStyle/>
+          <a:p>
+            <a:r>
               <a:rPr lang="en-US" dirty="0" smtClean="0"/>
-              <a:t>Giải pháp tối ưu để tạo prototype</a:t>
-            </a:r>
+              <a:t>Tối ưu khi xây dựng websites</a:t>
+            </a:r>
+          </a:p>
+          <a:p>
+            <a:pPr lvl="1"/>
+            <a:r>
+              <a:rPr lang="en-US" dirty="0" smtClean="0"/>
+              <a:t>Nhân sự thực hiện chỉ cần biết HTML, CSS</a:t>
+            </a:r>
+          </a:p>
+          <a:p>
+            <a:pPr lvl="1"/>
+            <a:r>
+              <a:rPr lang="en-US" dirty="0" smtClean="0"/>
+              <a:t>Linh động trong thiết kế, điều chỉnh dữ liệu (data model)</a:t>
+            </a:r>
+          </a:p>
+          <a:p>
+            <a:pPr lvl="1"/>
+            <a:r>
+              <a:rPr lang="en-US" dirty="0" smtClean="0"/>
+              <a:t>Preview kết quả ngay lập tức</a:t>
+            </a:r>
+          </a:p>
+          <a:p>
+            <a:pPr lvl="1"/>
+            <a:r>
+              <a:rPr lang="en-US" dirty="0" smtClean="0"/>
+              <a:t>Rút gọn thời gian thực hiện</a:t>
+            </a:r>
+          </a:p>
+          <a:p>
+            <a:r>
+              <a:rPr lang="en-US" dirty="0" smtClean="0"/>
+              <a:t>Dễ dàng khi triển khai</a:t>
+            </a:r>
+          </a:p>
+          <a:p>
+            <a:pPr lvl="1"/>
+            <a:r>
+              <a:rPr lang="en-US" dirty="0" smtClean="0"/>
+              <a:t>Không cần cài đặt, thiết lập kết nối database</a:t>
+            </a:r>
+          </a:p>
+          <a:p>
+            <a:pPr lvl="1"/>
+            <a:r>
+              <a:rPr lang="en-US" dirty="0" smtClean="0"/>
+              <a:t>1-Click deployment không phụ thuộc vào hosting, server</a:t>
+            </a:r>
+          </a:p>
+          <a:p>
+            <a:r>
+              <a:rPr lang="en-US" dirty="0" smtClean="0"/>
+              <a:t>Cho vận hành và bảo trì</a:t>
+            </a:r>
+          </a:p>
+          <a:p>
+            <a:pPr lvl="1"/>
+            <a:r>
+              <a:rPr lang="en-US" dirty="0" smtClean="0"/>
+              <a:t>Tài nguyên cho vận hành được tối giản: không cần CPU, RAM</a:t>
+            </a:r>
+          </a:p>
+          <a:p>
+            <a:pPr lvl="1"/>
+            <a:r>
+              <a:rPr lang="en-US" smtClean="0"/>
+              <a:t>Hệ thống ổn định và ít nhân sự bảo trì. </a:t>
+            </a:r>
+            <a:r>
+              <a:rPr lang="en-US" dirty="0"/>
+              <a:t>	</a:t>
+            </a:r>
+            <a:endParaRPr lang="en-US" dirty="0" smtClean="0"/>
+          </a:p>
+          <a:p>
+            <a:pPr lvl="1"/>
             <a:endParaRPr lang="en-US" dirty="0"/>
-          </a:p>
-        </p:txBody>
-      </p:sp>
-      <p:sp>
-        <p:nvSpPr>
-          <p:cNvPr id="3" name="Content Placeholder 2"/>
-          <p:cNvSpPr>
-            <a:spLocks noGrp="1"/>
-          </p:cNvSpPr>
-          <p:nvPr>
-            <p:ph idx="1"/>
-          </p:nvPr>
-        </p:nvSpPr>
-        <p:spPr/>
-        <p:txBody>
-          <a:bodyPr/>
-          <a:lstStyle/>
-          <a:p>
-            <a:r>
-              <a:rPr lang="en-US" dirty="0" smtClean="0"/>
-              <a:t>Prototype mang lại những lợi ích:</a:t>
-            </a:r>
-          </a:p>
-          <a:p>
-            <a:pPr lvl="1"/>
-            <a:r>
-              <a:rPr lang="en-US" dirty="0" smtClean="0"/>
-              <a:t>Lôi cuốn khách hàng ngay từ lần đầu</a:t>
-            </a:r>
-          </a:p>
-          <a:p>
-            <a:pPr lvl="1"/>
-            <a:r>
-              <a:rPr lang="en-US" dirty="0" smtClean="0"/>
-              <a:t>Nhanh chóng có được sản phẩm giống thực tế</a:t>
-            </a:r>
-          </a:p>
-          <a:p>
-            <a:pPr lvl="1"/>
-            <a:r>
-              <a:rPr lang="en-US" dirty="0" smtClean="0"/>
-              <a:t>Khách hàng trải nghiệm sớm sản phẩm, dễ dàng điều chỉnh để hiểu rõ hơn yêu cầu đưa ra</a:t>
-            </a:r>
-          </a:p>
-          <a:p>
-            <a:pPr lvl="1"/>
-            <a:r>
-              <a:rPr lang="en-US" dirty="0" smtClean="0"/>
-              <a:t>Công cụ giúp thống nhất được yêu cầu dễ dàng</a:t>
-            </a:r>
-          </a:p>
-          <a:p>
-            <a:r>
-              <a:rPr lang="en-US" dirty="0" smtClean="0"/>
-              <a:t>EasyWeb là giải pháp tối ưu:</a:t>
-            </a:r>
-          </a:p>
-          <a:p>
-            <a:pPr lvl="1"/>
-            <a:r>
-              <a:rPr lang="en-US" dirty="0"/>
-              <a:t>C</a:t>
-            </a:r>
-            <a:r>
-              <a:rPr lang="en-US" dirty="0" smtClean="0"/>
-              <a:t>ho phép tạo prototype nhanh chóng</a:t>
-            </a:r>
-          </a:p>
-          <a:p>
-            <a:pPr lvl="1"/>
-            <a:r>
-              <a:rPr lang="en-US" dirty="0" smtClean="0"/>
-              <a:t>Dễ dàng thay đổi prototype, linh động theo ý kiến khách hàng</a:t>
-            </a:r>
-          </a:p>
-          <a:p>
-            <a:pPr lvl="1"/>
-            <a:r>
-              <a:rPr lang="en-US" dirty="0" smtClean="0"/>
-              <a:t>Kế thừa hoàn toàn prototype khi xây dựng hệ thống thật</a:t>
-            </a:r>
-          </a:p>
-          <a:p>
-            <a:endParaRPr lang="en-US" dirty="0" smtClean="0"/>
           </a:p>
         </p:txBody>
       </p:sp>
     </p:spTree>
     <p:extLst>
       <p:ext uri="{BB962C8B-B14F-4D97-AF65-F5344CB8AC3E}">
-        <p14:creationId xmlns:p14="http://schemas.microsoft.com/office/powerpoint/2010/main" val="1484706285"/>
+        <p14:creationId xmlns:p14="http://schemas.microsoft.com/office/powerpoint/2010/main" val="3419214444"/>
       </p:ext>
     </p:extLst>
   </p:cSld>
@@ -3394,8 +3450,8 @@
           <a:lstStyle/>
           <a:p>
             <a:r>
-              <a:rPr lang="en-US" sz="4000" dirty="0" smtClean="0"/>
-              <a:t>Tối ưu khi xây dựng, triển khai, vận hành và bảo trì</a:t>
+              <a:rPr lang="en-US" dirty="0" smtClean="0"/>
+              <a:t>Nâng cấp chuyển đổi từ hệ thống cũ</a:t>
             </a:r>
             <a:endParaRPr lang="en-US" dirty="0"/>
           </a:p>
@@ -3413,91 +3469,39 @@
         </p:nvSpPr>
         <p:spPr/>
         <p:txBody>
-          <a:bodyPr>
-            <a:normAutofit lnSpcReduction="10000"/>
-          </a:bodyPr>
+          <a:bodyPr/>
           <a:lstStyle/>
           <a:p>
             <a:r>
               <a:rPr lang="en-US" dirty="0" smtClean="0"/>
-              <a:t>Tối ưu khi xây dựng websites</a:t>
+              <a:t>Cho phép chuyển đổi các website đang có, không phụ thuộc nền tảng mà website đang sử dụng</a:t>
             </a:r>
           </a:p>
           <a:p>
             <a:pPr lvl="1"/>
             <a:r>
               <a:rPr lang="en-US" dirty="0" smtClean="0"/>
-              <a:t>Nhân sự thực hiện chỉ cần biết HTML, CSS</a:t>
+              <a:t>Joomla, Wordpress, Drupal, Asp.net, Java,...</a:t>
             </a:r>
           </a:p>
           <a:p>
             <a:pPr lvl="1"/>
             <a:r>
               <a:rPr lang="en-US" dirty="0" smtClean="0"/>
-              <a:t>Linh động trong thiết kế, điều chỉnh dữ liệu (data model)</a:t>
-            </a:r>
-          </a:p>
-          <a:p>
-            <a:pPr lvl="1"/>
+              <a:t>Không phụ thuộc database đang sử dụng</a:t>
+            </a:r>
+          </a:p>
+          <a:p>
             <a:r>
               <a:rPr lang="en-US" dirty="0" smtClean="0"/>
-              <a:t>Preview kết quả ngay lập tức</a:t>
-            </a:r>
-          </a:p>
-          <a:p>
-            <a:pPr lvl="1"/>
+              <a:t>Giữ nguyên giao diện khi chuyển đổi một cách nhanh chóng</a:t>
+            </a:r>
+          </a:p>
+          <a:p>
             <a:r>
               <a:rPr lang="en-US" dirty="0" smtClean="0"/>
-              <a:t>Rút gọn thời gian thực hiện</a:t>
-            </a:r>
-          </a:p>
-          <a:p>
-            <a:r>
-              <a:rPr lang="en-US" dirty="0" smtClean="0"/>
-              <a:t>Dễ dàng khi triển khai</a:t>
-            </a:r>
-          </a:p>
-          <a:p>
-            <a:pPr lvl="1"/>
-            <a:r>
-              <a:rPr lang="en-US" dirty="0" smtClean="0"/>
-              <a:t>Không cần cài đặt, thiết lập kết nối database</a:t>
-            </a:r>
-          </a:p>
-          <a:p>
-            <a:pPr lvl="1"/>
-            <a:r>
-              <a:rPr lang="en-US" dirty="0" smtClean="0"/>
-              <a:t>1-Click deployment không phụ thuộc vào hosting, server</a:t>
-            </a:r>
-          </a:p>
-          <a:p>
-            <a:r>
-              <a:rPr lang="en-US" dirty="0" smtClean="0"/>
-              <a:t>Cho vận hành và bảo trì</a:t>
-            </a:r>
-          </a:p>
-          <a:p>
-            <a:pPr lvl="1"/>
-            <a:r>
-              <a:rPr lang="en-US" dirty="0" smtClean="0"/>
-              <a:t>Tài nguyên cho vận hành được tối giản: không cần CPU, RAM</a:t>
-            </a:r>
-          </a:p>
-          <a:p>
-            <a:pPr lvl="1"/>
-            <a:r>
-              <a:rPr lang="en-US" smtClean="0"/>
-              <a:t>Hệ thống ổn định và ít nhân sự bảo trì. </a:t>
-            </a:r>
-            <a:r>
-              <a:rPr lang="en-US" dirty="0"/>
-              <a:t>	</a:t>
-            </a:r>
-            <a:endParaRPr lang="en-US" dirty="0" smtClean="0"/>
-          </a:p>
-          <a:p>
-            <a:pPr lvl="1"/>
+              <a:t>Dễ dàng tối ưu giao diện để hiển thị trên nhiều loại thiết bị</a:t>
+            </a:r>
             <a:endParaRPr lang="en-US" dirty="0"/>
           </a:p>
         </p:txBody>
@@ -3505,7 +3509,7 @@
     </p:spTree>
     <p:extLst>
       <p:ext uri="{BB962C8B-B14F-4D97-AF65-F5344CB8AC3E}">
-        <p14:creationId xmlns:p14="http://schemas.microsoft.com/office/powerpoint/2010/main" val="3419214444"/>
+        <p14:creationId xmlns:p14="http://schemas.microsoft.com/office/powerpoint/2010/main" val="3409756309"/>
       </p:ext>
     </p:extLst>
   </p:cSld>
